--- a/namp-xml-structure.pptx
+++ b/namp-xml-structure.pptx
@@ -259,7 +259,7 @@
           <a:p>
             <a:fld id="{BA0A76CD-2CD8-9E4C-8DEB-EC5C383F5068}" type="datetimeFigureOut">
               <a:rPr lang="en-US" smtClean="0"/>
-              <a:t>6/18/20</a:t>
+              <a:t>6/19/20</a:t>
             </a:fld>
             <a:endParaRPr lang="en-US"/>
           </a:p>
@@ -457,7 +457,7 @@
           <a:p>
             <a:fld id="{BA0A76CD-2CD8-9E4C-8DEB-EC5C383F5068}" type="datetimeFigureOut">
               <a:rPr lang="en-US" smtClean="0"/>
-              <a:t>6/18/20</a:t>
+              <a:t>6/19/20</a:t>
             </a:fld>
             <a:endParaRPr lang="en-US"/>
           </a:p>
@@ -665,7 +665,7 @@
           <a:p>
             <a:fld id="{BA0A76CD-2CD8-9E4C-8DEB-EC5C383F5068}" type="datetimeFigureOut">
               <a:rPr lang="en-US" smtClean="0"/>
-              <a:t>6/18/20</a:t>
+              <a:t>6/19/20</a:t>
             </a:fld>
             <a:endParaRPr lang="en-US"/>
           </a:p>
@@ -863,7 +863,7 @@
           <a:p>
             <a:fld id="{BA0A76CD-2CD8-9E4C-8DEB-EC5C383F5068}" type="datetimeFigureOut">
               <a:rPr lang="en-US" smtClean="0"/>
-              <a:t>6/18/20</a:t>
+              <a:t>6/19/20</a:t>
             </a:fld>
             <a:endParaRPr lang="en-US"/>
           </a:p>
@@ -1138,7 +1138,7 @@
           <a:p>
             <a:fld id="{BA0A76CD-2CD8-9E4C-8DEB-EC5C383F5068}" type="datetimeFigureOut">
               <a:rPr lang="en-US" smtClean="0"/>
-              <a:t>6/18/20</a:t>
+              <a:t>6/19/20</a:t>
             </a:fld>
             <a:endParaRPr lang="en-US"/>
           </a:p>
@@ -1403,7 +1403,7 @@
           <a:p>
             <a:fld id="{BA0A76CD-2CD8-9E4C-8DEB-EC5C383F5068}" type="datetimeFigureOut">
               <a:rPr lang="en-US" smtClean="0"/>
-              <a:t>6/18/20</a:t>
+              <a:t>6/19/20</a:t>
             </a:fld>
             <a:endParaRPr lang="en-US"/>
           </a:p>
@@ -1815,7 +1815,7 @@
           <a:p>
             <a:fld id="{BA0A76CD-2CD8-9E4C-8DEB-EC5C383F5068}" type="datetimeFigureOut">
               <a:rPr lang="en-US" smtClean="0"/>
-              <a:t>6/18/20</a:t>
+              <a:t>6/19/20</a:t>
             </a:fld>
             <a:endParaRPr lang="en-US"/>
           </a:p>
@@ -1956,7 +1956,7 @@
           <a:p>
             <a:fld id="{BA0A76CD-2CD8-9E4C-8DEB-EC5C383F5068}" type="datetimeFigureOut">
               <a:rPr lang="en-US" smtClean="0"/>
-              <a:t>6/18/20</a:t>
+              <a:t>6/19/20</a:t>
             </a:fld>
             <a:endParaRPr lang="en-US"/>
           </a:p>
@@ -2069,7 +2069,7 @@
           <a:p>
             <a:fld id="{BA0A76CD-2CD8-9E4C-8DEB-EC5C383F5068}" type="datetimeFigureOut">
               <a:rPr lang="en-US" smtClean="0"/>
-              <a:t>6/18/20</a:t>
+              <a:t>6/19/20</a:t>
             </a:fld>
             <a:endParaRPr lang="en-US"/>
           </a:p>
@@ -2380,7 +2380,7 @@
           <a:p>
             <a:fld id="{BA0A76CD-2CD8-9E4C-8DEB-EC5C383F5068}" type="datetimeFigureOut">
               <a:rPr lang="en-US" smtClean="0"/>
-              <a:t>6/18/20</a:t>
+              <a:t>6/19/20</a:t>
             </a:fld>
             <a:endParaRPr lang="en-US"/>
           </a:p>
@@ -2668,7 +2668,7 @@
           <a:p>
             <a:fld id="{BA0A76CD-2CD8-9E4C-8DEB-EC5C383F5068}" type="datetimeFigureOut">
               <a:rPr lang="en-US" smtClean="0"/>
-              <a:t>6/18/20</a:t>
+              <a:t>6/19/20</a:t>
             </a:fld>
             <a:endParaRPr lang="en-US"/>
           </a:p>
@@ -2909,7 +2909,7 @@
           <a:p>
             <a:fld id="{BA0A76CD-2CD8-9E4C-8DEB-EC5C383F5068}" type="datetimeFigureOut">
               <a:rPr lang="en-US" smtClean="0"/>
-              <a:t>6/18/20</a:t>
+              <a:t>6/19/20</a:t>
             </a:fld>
             <a:endParaRPr lang="en-US"/>
           </a:p>
@@ -4284,7 +4284,7 @@
         <p:spPr>
           <a:xfrm>
             <a:off x="601569" y="802287"/>
-            <a:ext cx="2205284" cy="365760"/>
+            <a:ext cx="2987997" cy="646331"/>
           </a:xfrm>
           <a:prstGeom prst="rect">
             <a:avLst/>
@@ -4306,11 +4306,17 @@
             </a:r>
             <a:r>
               <a:rPr lang="en-US" dirty="0" err="1"/>
-              <a:t>list_port</a:t>
+              <a:t>list_port_protocl</a:t>
             </a:r>
             <a:r>
               <a:rPr lang="en-US" dirty="0"/>
               <a:t>]</a:t>
+            </a:r>
+          </a:p>
+          <a:p>
+            <a:r>
+              <a:rPr lang="en-US" dirty="0"/>
+              <a:t>10.90.0.1: [(22:ftp), (80: http)]</a:t>
             </a:r>
           </a:p>
         </p:txBody>
